--- a/Web Services and Cloud Technologies/05. Consuming Web Services/Consuming Web Services.pptx
+++ b/Web Services and Cloud Technologies/05. Consuming Web Services/Consuming Web Services.pptx
@@ -238,7 +238,7 @@
           <a:p>
             <a:fld id="{EA8AA110-121E-4767-AC7C-2BD4CB2DD111}" type="datetimeFigureOut">
               <a:rPr lang="en-US" smtClean="0"/>
-              <a:t>9/10/2014</a:t>
+              <a:t>9/11/2014</a:t>
             </a:fld>
             <a:endParaRPr lang="en-US"/>
           </a:p>
@@ -5651,116 +5651,812 @@
       </p:pic>
       <p:sp>
         <p:nvSpPr>
-          <p:cNvPr id="16" name="Text Placeholder 27"/>
+          <p:cNvPr id="15" name="Text Placeholder 6"/>
           <p:cNvSpPr>
             <a:spLocks noGrp="1"/>
           </p:cNvSpPr>
-          <p:nvPr>
-            <p:ph type="body" sz="quarter" idx="12"/>
-          </p:nvPr>
+          <p:nvPr/>
         </p:nvSpPr>
         <p:spPr>
           <a:xfrm>
-            <a:off x="457199" y="5121649"/>
-            <a:ext cx="4621676" cy="461665"/>
+            <a:off x="429086" y="5726668"/>
+            <a:ext cx="3990513" cy="400110"/>
           </a:xfrm>
+          <a:prstGeom prst="rect">
+            <a:avLst/>
+          </a:prstGeom>
+          <a:noFill/>
         </p:spPr>
         <p:txBody>
-          <a:bodyPr/>
-          <a:lstStyle/>
-          <a:p>
-            <a:pPr marL="0" indent="0">
+          <a:bodyPr wrap="square" rtlCol="0">
+            <a:spAutoFit/>
+          </a:bodyPr>
+          <a:lstStyle>
+            <a:lvl1pPr marL="319088" indent="-319088" algn="l" rtl="0" eaLnBrk="0" fontAlgn="base" hangingPunct="0">
               <a:spcBef>
                 <a:spcPct val="20000"/>
               </a:spcBef>
-            </a:pPr>
-            <a:r>
-              <a:rPr lang="en-US" sz="2400" dirty="0">
+              <a:spcAft>
+                <a:spcPct val="0"/>
+              </a:spcAft>
+              <a:buClr>
+                <a:schemeClr val="accent5">
+                  <a:lumMod val="40000"/>
+                  <a:lumOff val="60000"/>
+                </a:schemeClr>
+              </a:buClr>
+              <a:buSzPct val="70000"/>
+              <a:buFont typeface="Wingdings 2" pitchFamily="18" charset="2"/>
+              <a:buNone/>
+              <a:defRPr lang="en-US" sz="2000" b="1" kern="1200" dirty="0">
                 <a:solidFill>
                   <a:schemeClr val="tx2">
-                    <a:lumMod val="50000"/>
+                    <a:lumMod val="20000"/>
+                    <a:lumOff val="80000"/>
                   </a:schemeClr>
                 </a:solidFill>
-              </a:rPr>
-              <a:t>Data Structures and Algorithms</a:t>
+                <a:effectLst>
+                  <a:outerShdw blurRad="38100" dist="38100" dir="2700000" algn="tl">
+                    <a:srgbClr val="000000">
+                      <a:alpha val="43137"/>
+                    </a:srgbClr>
+                  </a:outerShdw>
+                </a:effectLst>
+                <a:latin typeface="Corbel" pitchFamily="34" charset="0"/>
+                <a:ea typeface="+mn-ea"/>
+                <a:cs typeface="+mn-cs"/>
+              </a:defRPr>
+            </a:lvl1pPr>
+            <a:lvl2pPr marL="630238" indent="-273050" algn="l" rtl="0" eaLnBrk="0" fontAlgn="base" hangingPunct="0">
+              <a:spcBef>
+                <a:spcPct val="20000"/>
+              </a:spcBef>
+              <a:spcAft>
+                <a:spcPct val="0"/>
+              </a:spcAft>
+              <a:buClr>
+                <a:schemeClr val="accent2">
+                  <a:lumMod val="60000"/>
+                  <a:lumOff val="40000"/>
+                </a:schemeClr>
+              </a:buClr>
+              <a:buFont typeface="Wingdings 2" pitchFamily="18" charset="2"/>
+              <a:buChar char=""/>
+              <a:defRPr sz="3000" b="1" kern="1200">
+                <a:solidFill>
+                  <a:schemeClr val="tx1">
+                    <a:lumMod val="20000"/>
+                    <a:lumOff val="80000"/>
+                  </a:schemeClr>
+                </a:solidFill>
+                <a:effectLst>
+                  <a:outerShdw blurRad="38100" dist="38100" dir="2700000" algn="tl">
+                    <a:srgbClr val="000000">
+                      <a:alpha val="43137"/>
+                    </a:srgbClr>
+                  </a:outerShdw>
+                </a:effectLst>
+                <a:latin typeface="+mn-lt"/>
+                <a:ea typeface="+mn-ea"/>
+                <a:cs typeface="+mn-cs"/>
+              </a:defRPr>
+            </a:lvl2pPr>
+            <a:lvl3pPr marL="922338" indent="-273050" algn="l" rtl="0" eaLnBrk="0" fontAlgn="base" hangingPunct="0">
+              <a:spcBef>
+                <a:spcPct val="20000"/>
+              </a:spcBef>
+              <a:spcAft>
+                <a:spcPct val="0"/>
+              </a:spcAft>
+              <a:buClr>
+                <a:schemeClr val="tx1">
+                  <a:lumMod val="50000"/>
+                </a:schemeClr>
+              </a:buClr>
+              <a:buFont typeface="Wingdings 2" pitchFamily="18" charset="2"/>
+              <a:buChar char=""/>
+              <a:defRPr sz="2800" b="1" kern="1200">
+                <a:solidFill>
+                  <a:schemeClr val="tx1">
+                    <a:lumMod val="20000"/>
+                    <a:lumOff val="80000"/>
+                  </a:schemeClr>
+                </a:solidFill>
+                <a:effectLst>
+                  <a:outerShdw blurRad="38100" dist="38100" dir="2700000" algn="tl">
+                    <a:srgbClr val="000000">
+                      <a:alpha val="43137"/>
+                    </a:srgbClr>
+                  </a:outerShdw>
+                </a:effectLst>
+                <a:latin typeface="+mn-lt"/>
+                <a:ea typeface="+mn-ea"/>
+                <a:cs typeface="+mn-cs"/>
+              </a:defRPr>
+            </a:lvl3pPr>
+            <a:lvl4pPr marL="1187450" indent="-228600" algn="l" rtl="0" eaLnBrk="0" fontAlgn="base" hangingPunct="0">
+              <a:spcBef>
+                <a:spcPct val="20000"/>
+              </a:spcBef>
+              <a:spcAft>
+                <a:spcPct val="0"/>
+              </a:spcAft>
+              <a:buClr>
+                <a:srgbClr val="F8BD52"/>
+              </a:buClr>
+              <a:buFont typeface="Wingdings 2" pitchFamily="18" charset="2"/>
+              <a:buChar char=""/>
+              <a:defRPr sz="2600" b="1" kern="1200">
+                <a:solidFill>
+                  <a:schemeClr val="tx1">
+                    <a:lumMod val="20000"/>
+                    <a:lumOff val="80000"/>
+                  </a:schemeClr>
+                </a:solidFill>
+                <a:effectLst>
+                  <a:outerShdw blurRad="38100" dist="38100" dir="2700000" algn="tl">
+                    <a:srgbClr val="000000">
+                      <a:alpha val="43137"/>
+                    </a:srgbClr>
+                  </a:outerShdw>
+                </a:effectLst>
+                <a:latin typeface="+mn-lt"/>
+                <a:ea typeface="+mn-ea"/>
+                <a:cs typeface="+mn-cs"/>
+              </a:defRPr>
+            </a:lvl4pPr>
+            <a:lvl5pPr marL="1425575" indent="-228600" algn="l" rtl="0" eaLnBrk="0" fontAlgn="base" hangingPunct="0">
+              <a:spcBef>
+                <a:spcPct val="20000"/>
+              </a:spcBef>
+              <a:spcAft>
+                <a:spcPct val="0"/>
+              </a:spcAft>
+              <a:buClr>
+                <a:srgbClr val="46A6BD"/>
+              </a:buClr>
+              <a:buFont typeface="Wingdings 2" pitchFamily="18" charset="2"/>
+              <a:buChar char=""/>
+              <a:defRPr sz="2400" b="1" kern="1200">
+                <a:solidFill>
+                  <a:schemeClr val="tx1">
+                    <a:lumMod val="20000"/>
+                    <a:lumOff val="80000"/>
+                  </a:schemeClr>
+                </a:solidFill>
+                <a:effectLst>
+                  <a:outerShdw blurRad="38100" dist="38100" dir="2700000" algn="tl">
+                    <a:srgbClr val="000000">
+                      <a:alpha val="43137"/>
+                    </a:srgbClr>
+                  </a:outerShdw>
+                </a:effectLst>
+                <a:latin typeface="+mn-lt"/>
+                <a:ea typeface="+mn-ea"/>
+                <a:cs typeface="+mn-cs"/>
+              </a:defRPr>
+            </a:lvl5pPr>
+            <a:lvl6pPr marL="1673352" indent="-228600" algn="l" rtl="0" eaLnBrk="1" latinLnBrk="0" hangingPunct="1">
+              <a:spcBef>
+                <a:spcPct val="20000"/>
+              </a:spcBef>
+              <a:buClr>
+                <a:schemeClr val="accent6"/>
+              </a:buClr>
+              <a:buFont typeface="Wingdings 2"/>
+              <a:buChar char=""/>
+              <a:defRPr sz="1800" kern="1200">
+                <a:solidFill>
+                  <a:schemeClr val="tx1"/>
+                </a:solidFill>
+                <a:latin typeface="+mn-lt"/>
+                <a:ea typeface="+mn-ea"/>
+                <a:cs typeface="+mn-cs"/>
+              </a:defRPr>
+            </a:lvl6pPr>
+            <a:lvl7pPr marL="1911096" indent="-228600" algn="l" rtl="0" eaLnBrk="1" latinLnBrk="0" hangingPunct="1">
+              <a:spcBef>
+                <a:spcPct val="20000"/>
+              </a:spcBef>
+              <a:buClr>
+                <a:schemeClr val="tx2"/>
+              </a:buClr>
+              <a:buFont typeface="Wingdings 2"/>
+              <a:buChar char=""/>
+              <a:defRPr sz="1600" kern="1200">
+                <a:solidFill>
+                  <a:schemeClr val="tx1"/>
+                </a:solidFill>
+                <a:latin typeface="+mn-lt"/>
+                <a:ea typeface="+mn-ea"/>
+                <a:cs typeface="+mn-cs"/>
+              </a:defRPr>
+            </a:lvl7pPr>
+            <a:lvl8pPr marL="2121408" indent="-182880" algn="l" rtl="0" eaLnBrk="1" latinLnBrk="0" hangingPunct="1">
+              <a:spcBef>
+                <a:spcPct val="20000"/>
+              </a:spcBef>
+              <a:buClr>
+                <a:schemeClr val="tx2"/>
+              </a:buClr>
+              <a:buFont typeface="Wingdings 2"/>
+              <a:buChar char=""/>
+              <a:defRPr sz="1400" kern="1200">
+                <a:solidFill>
+                  <a:schemeClr val="tx1"/>
+                </a:solidFill>
+                <a:latin typeface="+mn-lt"/>
+                <a:ea typeface="+mn-ea"/>
+                <a:cs typeface="+mn-cs"/>
+              </a:defRPr>
+            </a:lvl8pPr>
+            <a:lvl9pPr marL="2322576" indent="-182880" algn="l" rtl="0" eaLnBrk="1" latinLnBrk="0" hangingPunct="1">
+              <a:spcBef>
+                <a:spcPct val="20000"/>
+              </a:spcBef>
+              <a:buClr>
+                <a:schemeClr val="tx2"/>
+              </a:buClr>
+              <a:buFont typeface="Wingdings 2"/>
+              <a:buChar char=""/>
+              <a:defRPr sz="1400" kern="1200">
+                <a:solidFill>
+                  <a:schemeClr val="tx1"/>
+                </a:solidFill>
+                <a:latin typeface="+mn-lt"/>
+                <a:ea typeface="+mn-ea"/>
+                <a:cs typeface="+mn-cs"/>
+              </a:defRPr>
+            </a:lvl9pPr>
+          </a:lstStyle>
+          <a:p>
+            <a:r>
+              <a:rPr lang="en-US" dirty="0"/>
+              <a:t>Telerik Software Academy</a:t>
             </a:r>
           </a:p>
         </p:txBody>
       </p:sp>
       <p:sp>
         <p:nvSpPr>
-          <p:cNvPr id="17" name="Text Placeholder 28"/>
+          <p:cNvPr id="19" name="Text Placeholder 7"/>
           <p:cNvSpPr>
             <a:spLocks noGrp="1"/>
           </p:cNvSpPr>
-          <p:nvPr>
-            <p:ph type="body" sz="quarter" idx="10"/>
-          </p:nvPr>
+          <p:nvPr/>
         </p:nvSpPr>
         <p:spPr>
           <a:xfrm>
-            <a:off x="457199" y="5496290"/>
-            <a:ext cx="3990513" cy="400110"/>
+            <a:off x="429087" y="6031468"/>
+            <a:ext cx="3990513" cy="369332"/>
           </a:xfrm>
+          <a:prstGeom prst="rect">
+            <a:avLst/>
+          </a:prstGeom>
+          <a:noFill/>
         </p:spPr>
         <p:txBody>
-          <a:bodyPr/>
-          <a:lstStyle/>
-          <a:p>
-            <a:pPr>
+          <a:bodyPr wrap="square" rtlCol="0">
+            <a:spAutoFit/>
+          </a:bodyPr>
+          <a:lstStyle>
+            <a:lvl1pPr marL="319088" indent="-319088" algn="l" rtl="0" eaLnBrk="0" fontAlgn="base" hangingPunct="0">
               <a:spcBef>
                 <a:spcPct val="20000"/>
               </a:spcBef>
-            </a:pPr>
-            <a:r>
-              <a:rPr lang="en-US" sz="2000" dirty="0">
+              <a:spcAft>
+                <a:spcPct val="0"/>
+              </a:spcAft>
+              <a:buClr>
+                <a:schemeClr val="accent5">
+                  <a:lumMod val="40000"/>
+                  <a:lumOff val="60000"/>
+                </a:schemeClr>
+              </a:buClr>
+              <a:buSzPct val="70000"/>
+              <a:buFont typeface="Wingdings 2" pitchFamily="18" charset="2"/>
+              <a:buNone/>
+              <a:defRPr lang="en-US" sz="1800" b="1" kern="1200" dirty="0">
                 <a:solidFill>
                   <a:schemeClr val="tx2">
                     <a:lumMod val="20000"/>
                     <a:lumOff val="80000"/>
                   </a:schemeClr>
                 </a:solidFill>
+                <a:effectLst>
+                  <a:outerShdw blurRad="38100" dist="38100" dir="2700000" algn="tl">
+                    <a:srgbClr val="000000">
+                      <a:alpha val="43137"/>
+                    </a:srgbClr>
+                  </a:outerShdw>
+                </a:effectLst>
+                <a:latin typeface="Corbel" pitchFamily="34" charset="0"/>
+                <a:ea typeface="+mn-ea"/>
+                <a:cs typeface="+mn-cs"/>
+              </a:defRPr>
+            </a:lvl1pPr>
+            <a:lvl2pPr marL="630238" indent="-273050" algn="l" rtl="0" eaLnBrk="0" fontAlgn="base" hangingPunct="0">
+              <a:spcBef>
+                <a:spcPct val="20000"/>
+              </a:spcBef>
+              <a:spcAft>
+                <a:spcPct val="0"/>
+              </a:spcAft>
+              <a:buClr>
+                <a:schemeClr val="accent2">
+                  <a:lumMod val="60000"/>
+                  <a:lumOff val="40000"/>
+                </a:schemeClr>
+              </a:buClr>
+              <a:buFont typeface="Wingdings 2" pitchFamily="18" charset="2"/>
+              <a:buChar char=""/>
+              <a:defRPr sz="3000" b="1" kern="1200">
+                <a:solidFill>
+                  <a:schemeClr val="tx1">
+                    <a:lumMod val="20000"/>
+                    <a:lumOff val="80000"/>
+                  </a:schemeClr>
+                </a:solidFill>
+                <a:effectLst>
+                  <a:outerShdw blurRad="38100" dist="38100" dir="2700000" algn="tl">
+                    <a:srgbClr val="000000">
+                      <a:alpha val="43137"/>
+                    </a:srgbClr>
+                  </a:outerShdw>
+                </a:effectLst>
+                <a:latin typeface="+mn-lt"/>
+                <a:ea typeface="+mn-ea"/>
+                <a:cs typeface="+mn-cs"/>
+              </a:defRPr>
+            </a:lvl2pPr>
+            <a:lvl3pPr marL="922338" indent="-273050" algn="l" rtl="0" eaLnBrk="0" fontAlgn="base" hangingPunct="0">
+              <a:spcBef>
+                <a:spcPct val="20000"/>
+              </a:spcBef>
+              <a:spcAft>
+                <a:spcPct val="0"/>
+              </a:spcAft>
+              <a:buClr>
+                <a:schemeClr val="tx1">
+                  <a:lumMod val="50000"/>
+                </a:schemeClr>
+              </a:buClr>
+              <a:buFont typeface="Wingdings 2" pitchFamily="18" charset="2"/>
+              <a:buChar char=""/>
+              <a:defRPr sz="2800" b="1" kern="1200">
+                <a:solidFill>
+                  <a:schemeClr val="tx1">
+                    <a:lumMod val="20000"/>
+                    <a:lumOff val="80000"/>
+                  </a:schemeClr>
+                </a:solidFill>
+                <a:effectLst>
+                  <a:outerShdw blurRad="38100" dist="38100" dir="2700000" algn="tl">
+                    <a:srgbClr val="000000">
+                      <a:alpha val="43137"/>
+                    </a:srgbClr>
+                  </a:outerShdw>
+                </a:effectLst>
+                <a:latin typeface="+mn-lt"/>
+                <a:ea typeface="+mn-ea"/>
+                <a:cs typeface="+mn-cs"/>
+              </a:defRPr>
+            </a:lvl3pPr>
+            <a:lvl4pPr marL="1187450" indent="-228600" algn="l" rtl="0" eaLnBrk="0" fontAlgn="base" hangingPunct="0">
+              <a:spcBef>
+                <a:spcPct val="20000"/>
+              </a:spcBef>
+              <a:spcAft>
+                <a:spcPct val="0"/>
+              </a:spcAft>
+              <a:buClr>
+                <a:srgbClr val="F8BD52"/>
+              </a:buClr>
+              <a:buFont typeface="Wingdings 2" pitchFamily="18" charset="2"/>
+              <a:buChar char=""/>
+              <a:defRPr sz="2600" b="1" kern="1200">
+                <a:solidFill>
+                  <a:schemeClr val="tx1">
+                    <a:lumMod val="20000"/>
+                    <a:lumOff val="80000"/>
+                  </a:schemeClr>
+                </a:solidFill>
+                <a:effectLst>
+                  <a:outerShdw blurRad="38100" dist="38100" dir="2700000" algn="tl">
+                    <a:srgbClr val="000000">
+                      <a:alpha val="43137"/>
+                    </a:srgbClr>
+                  </a:outerShdw>
+                </a:effectLst>
+                <a:latin typeface="+mn-lt"/>
+                <a:ea typeface="+mn-ea"/>
+                <a:cs typeface="+mn-cs"/>
+              </a:defRPr>
+            </a:lvl4pPr>
+            <a:lvl5pPr marL="1425575" indent="-228600" algn="l" rtl="0" eaLnBrk="0" fontAlgn="base" hangingPunct="0">
+              <a:spcBef>
+                <a:spcPct val="20000"/>
+              </a:spcBef>
+              <a:spcAft>
+                <a:spcPct val="0"/>
+              </a:spcAft>
+              <a:buClr>
+                <a:srgbClr val="46A6BD"/>
+              </a:buClr>
+              <a:buFont typeface="Wingdings 2" pitchFamily="18" charset="2"/>
+              <a:buChar char=""/>
+              <a:defRPr sz="2400" b="1" kern="1200">
+                <a:solidFill>
+                  <a:schemeClr val="tx1">
+                    <a:lumMod val="20000"/>
+                    <a:lumOff val="80000"/>
+                  </a:schemeClr>
+                </a:solidFill>
+                <a:effectLst>
+                  <a:outerShdw blurRad="38100" dist="38100" dir="2700000" algn="tl">
+                    <a:srgbClr val="000000">
+                      <a:alpha val="43137"/>
+                    </a:srgbClr>
+                  </a:outerShdw>
+                </a:effectLst>
+                <a:latin typeface="+mn-lt"/>
+                <a:ea typeface="+mn-ea"/>
+                <a:cs typeface="+mn-cs"/>
+              </a:defRPr>
+            </a:lvl5pPr>
+            <a:lvl6pPr marL="1673352" indent="-228600" algn="l" rtl="0" eaLnBrk="1" latinLnBrk="0" hangingPunct="1">
+              <a:spcBef>
+                <a:spcPct val="20000"/>
+              </a:spcBef>
+              <a:buClr>
+                <a:schemeClr val="accent6"/>
+              </a:buClr>
+              <a:buFont typeface="Wingdings 2"/>
+              <a:buChar char=""/>
+              <a:defRPr sz="1800" kern="1200">
+                <a:solidFill>
+                  <a:schemeClr val="tx1"/>
+                </a:solidFill>
+                <a:latin typeface="+mn-lt"/>
+                <a:ea typeface="+mn-ea"/>
+                <a:cs typeface="+mn-cs"/>
+              </a:defRPr>
+            </a:lvl6pPr>
+            <a:lvl7pPr marL="1911096" indent="-228600" algn="l" rtl="0" eaLnBrk="1" latinLnBrk="0" hangingPunct="1">
+              <a:spcBef>
+                <a:spcPct val="20000"/>
+              </a:spcBef>
+              <a:buClr>
+                <a:schemeClr val="tx2"/>
+              </a:buClr>
+              <a:buFont typeface="Wingdings 2"/>
+              <a:buChar char=""/>
+              <a:defRPr sz="1600" kern="1200">
+                <a:solidFill>
+                  <a:schemeClr val="tx1"/>
+                </a:solidFill>
+                <a:latin typeface="+mn-lt"/>
+                <a:ea typeface="+mn-ea"/>
+                <a:cs typeface="+mn-cs"/>
+              </a:defRPr>
+            </a:lvl7pPr>
+            <a:lvl8pPr marL="2121408" indent="-182880" algn="l" rtl="0" eaLnBrk="1" latinLnBrk="0" hangingPunct="1">
+              <a:spcBef>
+                <a:spcPct val="20000"/>
+              </a:spcBef>
+              <a:buClr>
+                <a:schemeClr val="tx2"/>
+              </a:buClr>
+              <a:buFont typeface="Wingdings 2"/>
+              <a:buChar char=""/>
+              <a:defRPr sz="1400" kern="1200">
+                <a:solidFill>
+                  <a:schemeClr val="tx1"/>
+                </a:solidFill>
+                <a:latin typeface="+mn-lt"/>
+                <a:ea typeface="+mn-ea"/>
+                <a:cs typeface="+mn-cs"/>
+              </a:defRPr>
+            </a:lvl8pPr>
+            <a:lvl9pPr marL="2322576" indent="-182880" algn="l" rtl="0" eaLnBrk="1" latinLnBrk="0" hangingPunct="1">
+              <a:spcBef>
+                <a:spcPct val="20000"/>
+              </a:spcBef>
+              <a:buClr>
+                <a:schemeClr val="tx2"/>
+              </a:buClr>
+              <a:buFont typeface="Wingdings 2"/>
+              <a:buChar char=""/>
+              <a:defRPr sz="1400" kern="1200">
+                <a:solidFill>
+                  <a:schemeClr val="tx1"/>
+                </a:solidFill>
+                <a:latin typeface="+mn-lt"/>
+                <a:ea typeface="+mn-ea"/>
+                <a:cs typeface="+mn-cs"/>
+              </a:defRPr>
+            </a:lvl9pPr>
+          </a:lstStyle>
+          <a:p>
+            <a:r>
+              <a:rPr lang="en-US" dirty="0" smtClean="0">
+                <a:hlinkClick r:id="rId3"/>
               </a:rPr>
-              <a:t>Telerik Software Academy</a:t>
-            </a:r>
+              <a:t>http://academy.telerik.com</a:t>
+            </a:r>
+            <a:r>
+              <a:rPr lang="en-US" dirty="0" smtClean="0"/>
+              <a:t> </a:t>
+            </a:r>
+            <a:endParaRPr lang="en-US" dirty="0"/>
           </a:p>
         </p:txBody>
       </p:sp>
       <p:sp>
         <p:nvSpPr>
-          <p:cNvPr id="18" name="Text Placeholder 29"/>
+          <p:cNvPr id="20" name="Text Placeholder 13"/>
           <p:cNvSpPr>
             <a:spLocks noGrp="1"/>
           </p:cNvSpPr>
-          <p:nvPr>
-            <p:ph type="body" sz="quarter" idx="11"/>
-          </p:nvPr>
+          <p:nvPr/>
         </p:nvSpPr>
         <p:spPr>
           <a:xfrm>
-            <a:off x="457199" y="5801090"/>
-            <a:ext cx="3990513" cy="369332"/>
+            <a:off x="429087" y="5352025"/>
+            <a:ext cx="3990513" cy="461665"/>
           </a:xfrm>
+          <a:prstGeom prst="rect">
+            <a:avLst/>
+          </a:prstGeom>
+          <a:noFill/>
         </p:spPr>
         <p:txBody>
-          <a:bodyPr/>
-          <a:lstStyle/>
-          <a:p>
-            <a:pPr marL="319088" indent="-319088">
+          <a:bodyPr wrap="square" rtlCol="0">
+            <a:spAutoFit/>
+          </a:bodyPr>
+          <a:lstStyle>
+            <a:lvl1pPr marL="0" indent="0" algn="l" rtl="0" eaLnBrk="0" fontAlgn="base" hangingPunct="0">
               <a:spcBef>
                 <a:spcPct val="20000"/>
               </a:spcBef>
-            </a:pPr>
-            <a:r>
-              <a:rPr lang="en-US" dirty="0">
-                <a:hlinkClick r:id="rId3"/>
-              </a:rPr>
-              <a:t>http://academy.telerik.com</a:t>
-            </a:r>
-            <a:r>
-              <a:rPr lang="en-US" dirty="0"/>
-              <a:t> </a:t>
-            </a:r>
+              <a:spcAft>
+                <a:spcPct val="0"/>
+              </a:spcAft>
+              <a:buClr>
+                <a:schemeClr val="accent5">
+                  <a:lumMod val="40000"/>
+                  <a:lumOff val="60000"/>
+                </a:schemeClr>
+              </a:buClr>
+              <a:buSzPct val="70000"/>
+              <a:buFont typeface="Wingdings 2" pitchFamily="18" charset="2"/>
+              <a:buNone/>
+              <a:defRPr lang="en-US" sz="2400" b="1" kern="1200" dirty="0">
+                <a:solidFill>
+                  <a:schemeClr val="tx2">
+                    <a:lumMod val="50000"/>
+                  </a:schemeClr>
+                </a:solidFill>
+                <a:effectLst>
+                  <a:outerShdw blurRad="38100" dist="38100" dir="2700000" algn="tl">
+                    <a:srgbClr val="000000">
+                      <a:alpha val="43137"/>
+                    </a:srgbClr>
+                  </a:outerShdw>
+                </a:effectLst>
+                <a:latin typeface="Corbel" pitchFamily="34" charset="0"/>
+                <a:ea typeface="+mn-ea"/>
+                <a:cs typeface="+mn-cs"/>
+              </a:defRPr>
+            </a:lvl1pPr>
+            <a:lvl2pPr marL="630238" indent="-273050" algn="l" rtl="0" eaLnBrk="0" fontAlgn="base" hangingPunct="0">
+              <a:spcBef>
+                <a:spcPct val="20000"/>
+              </a:spcBef>
+              <a:spcAft>
+                <a:spcPct val="0"/>
+              </a:spcAft>
+              <a:buClr>
+                <a:schemeClr val="accent2">
+                  <a:lumMod val="60000"/>
+                  <a:lumOff val="40000"/>
+                </a:schemeClr>
+              </a:buClr>
+              <a:buFont typeface="Wingdings 2" pitchFamily="18" charset="2"/>
+              <a:buChar char=""/>
+              <a:defRPr sz="3000" b="1" kern="1200">
+                <a:solidFill>
+                  <a:schemeClr val="tx1">
+                    <a:lumMod val="20000"/>
+                    <a:lumOff val="80000"/>
+                  </a:schemeClr>
+                </a:solidFill>
+                <a:effectLst>
+                  <a:outerShdw blurRad="38100" dist="38100" dir="2700000" algn="tl">
+                    <a:srgbClr val="000000">
+                      <a:alpha val="43137"/>
+                    </a:srgbClr>
+                  </a:outerShdw>
+                </a:effectLst>
+                <a:latin typeface="+mn-lt"/>
+                <a:ea typeface="+mn-ea"/>
+                <a:cs typeface="+mn-cs"/>
+              </a:defRPr>
+            </a:lvl2pPr>
+            <a:lvl3pPr marL="922338" indent="-273050" algn="l" rtl="0" eaLnBrk="0" fontAlgn="base" hangingPunct="0">
+              <a:spcBef>
+                <a:spcPct val="20000"/>
+              </a:spcBef>
+              <a:spcAft>
+                <a:spcPct val="0"/>
+              </a:spcAft>
+              <a:buClr>
+                <a:schemeClr val="tx1">
+                  <a:lumMod val="50000"/>
+                </a:schemeClr>
+              </a:buClr>
+              <a:buFont typeface="Wingdings 2" pitchFamily="18" charset="2"/>
+              <a:buChar char=""/>
+              <a:defRPr sz="2800" b="1" kern="1200">
+                <a:solidFill>
+                  <a:schemeClr val="tx1">
+                    <a:lumMod val="20000"/>
+                    <a:lumOff val="80000"/>
+                  </a:schemeClr>
+                </a:solidFill>
+                <a:effectLst>
+                  <a:outerShdw blurRad="38100" dist="38100" dir="2700000" algn="tl">
+                    <a:srgbClr val="000000">
+                      <a:alpha val="43137"/>
+                    </a:srgbClr>
+                  </a:outerShdw>
+                </a:effectLst>
+                <a:latin typeface="+mn-lt"/>
+                <a:ea typeface="+mn-ea"/>
+                <a:cs typeface="+mn-cs"/>
+              </a:defRPr>
+            </a:lvl3pPr>
+            <a:lvl4pPr marL="1187450" indent="-228600" algn="l" rtl="0" eaLnBrk="0" fontAlgn="base" hangingPunct="0">
+              <a:spcBef>
+                <a:spcPct val="20000"/>
+              </a:spcBef>
+              <a:spcAft>
+                <a:spcPct val="0"/>
+              </a:spcAft>
+              <a:buClr>
+                <a:srgbClr val="F8BD52"/>
+              </a:buClr>
+              <a:buFont typeface="Wingdings 2" pitchFamily="18" charset="2"/>
+              <a:buChar char=""/>
+              <a:defRPr sz="2600" b="1" kern="1200">
+                <a:solidFill>
+                  <a:schemeClr val="tx1">
+                    <a:lumMod val="20000"/>
+                    <a:lumOff val="80000"/>
+                  </a:schemeClr>
+                </a:solidFill>
+                <a:effectLst>
+                  <a:outerShdw blurRad="38100" dist="38100" dir="2700000" algn="tl">
+                    <a:srgbClr val="000000">
+                      <a:alpha val="43137"/>
+                    </a:srgbClr>
+                  </a:outerShdw>
+                </a:effectLst>
+                <a:latin typeface="+mn-lt"/>
+                <a:ea typeface="+mn-ea"/>
+                <a:cs typeface="+mn-cs"/>
+              </a:defRPr>
+            </a:lvl4pPr>
+            <a:lvl5pPr marL="1425575" indent="-228600" algn="l" rtl="0" eaLnBrk="0" fontAlgn="base" hangingPunct="0">
+              <a:spcBef>
+                <a:spcPct val="20000"/>
+              </a:spcBef>
+              <a:spcAft>
+                <a:spcPct val="0"/>
+              </a:spcAft>
+              <a:buClr>
+                <a:srgbClr val="46A6BD"/>
+              </a:buClr>
+              <a:buFont typeface="Wingdings 2" pitchFamily="18" charset="2"/>
+              <a:buChar char=""/>
+              <a:defRPr sz="2400" b="1" kern="1200">
+                <a:solidFill>
+                  <a:schemeClr val="tx1">
+                    <a:lumMod val="20000"/>
+                    <a:lumOff val="80000"/>
+                  </a:schemeClr>
+                </a:solidFill>
+                <a:effectLst>
+                  <a:outerShdw blurRad="38100" dist="38100" dir="2700000" algn="tl">
+                    <a:srgbClr val="000000">
+                      <a:alpha val="43137"/>
+                    </a:srgbClr>
+                  </a:outerShdw>
+                </a:effectLst>
+                <a:latin typeface="+mn-lt"/>
+                <a:ea typeface="+mn-ea"/>
+                <a:cs typeface="+mn-cs"/>
+              </a:defRPr>
+            </a:lvl5pPr>
+            <a:lvl6pPr marL="1673352" indent="-228600" algn="l" rtl="0" eaLnBrk="1" latinLnBrk="0" hangingPunct="1">
+              <a:spcBef>
+                <a:spcPct val="20000"/>
+              </a:spcBef>
+              <a:buClr>
+                <a:schemeClr val="accent6"/>
+              </a:buClr>
+              <a:buFont typeface="Wingdings 2"/>
+              <a:buChar char=""/>
+              <a:defRPr sz="1800" kern="1200">
+                <a:solidFill>
+                  <a:schemeClr val="tx1"/>
+                </a:solidFill>
+                <a:latin typeface="+mn-lt"/>
+                <a:ea typeface="+mn-ea"/>
+                <a:cs typeface="+mn-cs"/>
+              </a:defRPr>
+            </a:lvl6pPr>
+            <a:lvl7pPr marL="1911096" indent="-228600" algn="l" rtl="0" eaLnBrk="1" latinLnBrk="0" hangingPunct="1">
+              <a:spcBef>
+                <a:spcPct val="20000"/>
+              </a:spcBef>
+              <a:buClr>
+                <a:schemeClr val="tx2"/>
+              </a:buClr>
+              <a:buFont typeface="Wingdings 2"/>
+              <a:buChar char=""/>
+              <a:defRPr sz="1600" kern="1200">
+                <a:solidFill>
+                  <a:schemeClr val="tx1"/>
+                </a:solidFill>
+                <a:latin typeface="+mn-lt"/>
+                <a:ea typeface="+mn-ea"/>
+                <a:cs typeface="+mn-cs"/>
+              </a:defRPr>
+            </a:lvl7pPr>
+            <a:lvl8pPr marL="2121408" indent="-182880" algn="l" rtl="0" eaLnBrk="1" latinLnBrk="0" hangingPunct="1">
+              <a:spcBef>
+                <a:spcPct val="20000"/>
+              </a:spcBef>
+              <a:buClr>
+                <a:schemeClr val="tx2"/>
+              </a:buClr>
+              <a:buFont typeface="Wingdings 2"/>
+              <a:buChar char=""/>
+              <a:defRPr sz="1400" kern="1200">
+                <a:solidFill>
+                  <a:schemeClr val="tx1"/>
+                </a:solidFill>
+                <a:latin typeface="+mn-lt"/>
+                <a:ea typeface="+mn-ea"/>
+                <a:cs typeface="+mn-cs"/>
+              </a:defRPr>
+            </a:lvl8pPr>
+            <a:lvl9pPr marL="2322576" indent="-182880" algn="l" rtl="0" eaLnBrk="1" latinLnBrk="0" hangingPunct="1">
+              <a:spcBef>
+                <a:spcPct val="20000"/>
+              </a:spcBef>
+              <a:buClr>
+                <a:schemeClr val="tx2"/>
+              </a:buClr>
+              <a:buFont typeface="Wingdings 2"/>
+              <a:buChar char=""/>
+              <a:defRPr sz="1400" kern="1200">
+                <a:solidFill>
+                  <a:schemeClr val="tx1"/>
+                </a:solidFill>
+                <a:latin typeface="+mn-lt"/>
+                <a:ea typeface="+mn-ea"/>
+                <a:cs typeface="+mn-cs"/>
+              </a:defRPr>
+            </a:lvl9pPr>
+          </a:lstStyle>
+          <a:p>
+            <a:r>
+              <a:rPr lang="en-US" dirty="0" smtClean="0"/>
+              <a:t>Web Services and Cloud</a:t>
+            </a:r>
+            <a:endParaRPr lang="en-US" dirty="0"/>
           </a:p>
         </p:txBody>
       </p:sp>
